--- a/Recysis.pptx
+++ b/Recysis.pptx
@@ -295,7 +295,7 @@
           <a:p>
             <a:fld id="{5EA502E4-FA1C-466C-90A3-10F7CFCDED26}" type="datetimeFigureOut">
               <a:rPr lang="en-GB" smtClean="0"/>
-              <a:t>11/01/2022</a:t>
+              <a:t>16/01/2022</a:t>
             </a:fld>
             <a:endParaRPr lang="en-GB"/>
           </a:p>
@@ -477,7 +477,7 @@
           <a:p>
             <a:fld id="{463C486C-142B-4582-A056-7B2F9A2BC3DA}" type="datetimeFigureOut">
               <a:rPr lang="en-GB" smtClean="0"/>
-              <a:t>11/01/2022</a:t>
+              <a:t>16/01/2022</a:t>
             </a:fld>
             <a:endParaRPr lang="en-GB" dirty="0"/>
           </a:p>
@@ -2136,7 +2136,7 @@
           <a:p>
             <a:fld id="{C4A43BA9-ECE0-42E8-8A23-E10853ED157C}" type="datetime1">
               <a:rPr lang="en-US" smtClean="0"/>
-              <a:t>1/11/2022</a:t>
+              <a:t>1/16/2022</a:t>
             </a:fld>
             <a:endParaRPr lang="en-US" dirty="0"/>
           </a:p>
@@ -2334,7 +2334,7 @@
           <a:p>
             <a:fld id="{9D7F18EA-B912-4F67-BEE7-71970ED7797A}" type="datetime1">
               <a:rPr lang="en-US" smtClean="0"/>
-              <a:t>1/11/2022</a:t>
+              <a:t>1/16/2022</a:t>
             </a:fld>
             <a:endParaRPr lang="en-US" dirty="0"/>
           </a:p>
@@ -2542,7 +2542,7 @@
           <a:p>
             <a:fld id="{40331198-A7C8-4B1B-A0D1-60D42392F396}" type="datetime1">
               <a:rPr lang="en-US" smtClean="0"/>
-              <a:t>1/11/2022</a:t>
+              <a:t>1/16/2022</a:t>
             </a:fld>
             <a:endParaRPr lang="en-US" dirty="0"/>
           </a:p>
@@ -2764,7 +2764,7 @@
           <a:p>
             <a:fld id="{CF26E0E1-75FC-423E-A1BA-44E1602B105A}" type="datetime1">
               <a:rPr lang="en-US" smtClean="0"/>
-              <a:t>1/11/2022</a:t>
+              <a:t>1/16/2022</a:t>
             </a:fld>
             <a:endParaRPr lang="en-US" dirty="0"/>
           </a:p>
@@ -3675,7 +3675,7 @@
           <a:p>
             <a:fld id="{A385B088-86B0-448A-8C34-F44F81E9F28D}" type="datetime1">
               <a:rPr lang="en-US" smtClean="0"/>
-              <a:t>1/11/2022</a:t>
+              <a:t>1/16/2022</a:t>
             </a:fld>
             <a:endParaRPr lang="en-US" dirty="0"/>
           </a:p>
@@ -4278,7 +4278,7 @@
           <a:p>
             <a:fld id="{1CD51626-592F-4D09-8F02-442B1B1A4BB0}" type="datetime1">
               <a:rPr lang="en-US" smtClean="0"/>
-              <a:t>1/11/2022</a:t>
+              <a:t>1/16/2022</a:t>
             </a:fld>
             <a:endParaRPr lang="en-US" dirty="0"/>
           </a:p>
@@ -5326,7 +5326,7 @@
           <a:p>
             <a:fld id="{0299E966-FA27-4AF9-B3B6-B25290D2FD48}" type="datetime1">
               <a:rPr lang="en-US" smtClean="0"/>
-              <a:t>1/11/2022</a:t>
+              <a:t>1/16/2022</a:t>
             </a:fld>
             <a:endParaRPr lang="en-US" dirty="0"/>
           </a:p>
@@ -6110,7 +6110,7 @@
           <a:p>
             <a:fld id="{4EB92176-BCC4-4D38-9900-B292CB415FF1}" type="datetime1">
               <a:rPr lang="en-US" smtClean="0"/>
-              <a:t>1/11/2022</a:t>
+              <a:t>1/16/2022</a:t>
             </a:fld>
             <a:endParaRPr lang="en-US" dirty="0"/>
           </a:p>
@@ -6559,7 +6559,7 @@
           <a:p>
             <a:fld id="{7CC4FB33-72AF-468C-820D-6E4FB0E1A7DC}" type="datetime1">
               <a:rPr lang="en-US" smtClean="0"/>
-              <a:t>1/11/2022</a:t>
+              <a:t>1/16/2022</a:t>
             </a:fld>
             <a:endParaRPr lang="en-US" dirty="0"/>
           </a:p>
@@ -6876,7 +6876,7 @@
           <a:p>
             <a:fld id="{DBBFA319-7153-4660-BE7A-E6DF75F7AC4F}" type="datetime1">
               <a:rPr lang="en-US" smtClean="0"/>
-              <a:t>1/11/2022</a:t>
+              <a:t>1/16/2022</a:t>
             </a:fld>
             <a:endParaRPr lang="en-US" dirty="0"/>
           </a:p>
@@ -7504,7 +7504,7 @@
           <a:p>
             <a:fld id="{78E12AE7-1409-4777-948B-C80183DFEA90}" type="datetime1">
               <a:rPr lang="en-US" smtClean="0"/>
-              <a:t>1/11/2022</a:t>
+              <a:t>1/16/2022</a:t>
             </a:fld>
             <a:endParaRPr lang="en-US" dirty="0"/>
           </a:p>
@@ -8077,7 +8077,7 @@
           <a:p>
             <a:fld id="{D1C1CDE8-AEA1-4507-B5E2-B2BD48389F65}" type="datetime1">
               <a:rPr lang="en-US" smtClean="0"/>
-              <a:t>1/11/2022</a:t>
+              <a:t>1/16/2022</a:t>
             </a:fld>
             <a:endParaRPr lang="en-US" dirty="0"/>
           </a:p>
@@ -9369,37 +9369,7 @@
               <a:rPr lang="en-GB" sz="2400" dirty="0">
                 <a:latin typeface="Abadi" panose="020B0604020104020204" pitchFamily="34" charset="0"/>
               </a:rPr>
-              <a:t>Rating -&gt; </a:t>
-            </a:r>
-            <a:r>
-              <a:rPr lang="it-IT" sz="2400" dirty="0">
-                <a:latin typeface="Abadi" panose="020B0604020104020204" pitchFamily="34" charset="0"/>
-              </a:rPr>
-              <a:t>score from 1 to 5, </a:t>
-            </a:r>
-            <a:r>
-              <a:rPr lang="it-IT" sz="2400" dirty="0" err="1">
-                <a:latin typeface="Abadi" panose="020B0604020104020204" pitchFamily="34" charset="0"/>
-              </a:rPr>
-              <a:t>used</a:t>
-            </a:r>
-            <a:r>
-              <a:rPr lang="it-IT" sz="2400" dirty="0">
-                <a:latin typeface="Abadi" panose="020B0604020104020204" pitchFamily="34" charset="0"/>
-              </a:rPr>
-              <a:t> </a:t>
-            </a:r>
-            <a:r>
-              <a:rPr lang="it-IT" sz="2400" dirty="0" err="1">
-                <a:latin typeface="Abadi" panose="020B0604020104020204" pitchFamily="34" charset="0"/>
-              </a:rPr>
-              <a:t>as</a:t>
-            </a:r>
-            <a:r>
-              <a:rPr lang="it-IT" sz="2400" dirty="0">
-                <a:latin typeface="Abadi" panose="020B0604020104020204" pitchFamily="34" charset="0"/>
-              </a:rPr>
-              <a:t> ground truth</a:t>
+              <a:t>Review -&gt; containing the text of the comments</a:t>
             </a:r>
           </a:p>
           <a:p>
@@ -9414,8 +9384,17 @@
               <a:rPr lang="en-GB" sz="2400" dirty="0">
                 <a:latin typeface="Abadi" panose="020B0604020104020204" pitchFamily="34" charset="0"/>
               </a:rPr>
-              <a:t>Review -&gt; containing the text of the comments</a:t>
-            </a:r>
+              <a:t>Rating -&gt; </a:t>
+            </a:r>
+            <a:r>
+              <a:rPr lang="it-IT" sz="2400" dirty="0">
+                <a:latin typeface="Abadi" panose="020B0604020104020204" pitchFamily="34" charset="0"/>
+              </a:rPr>
+              <a:t>score from 1 to 5, establishing a ground truth</a:t>
+            </a:r>
+            <a:endParaRPr lang="en-GB" sz="2400" dirty="0">
+              <a:latin typeface="Abadi" panose="020B0604020104020204" pitchFamily="34" charset="0"/>
+            </a:endParaRPr>
           </a:p>
           <a:p>
             <a:endParaRPr lang="en-GB" sz="3200" dirty="0">
@@ -9581,110 +9560,8 @@
               <a:rPr lang="it-IT" sz="2400" dirty="0">
                 <a:latin typeface="Abadi" panose="020B0604020104020204" pitchFamily="34" charset="0"/>
               </a:rPr>
-              <a:t>45000 </a:t>
-            </a:r>
-            <a:r>
-              <a:rPr lang="it-IT" sz="2400" dirty="0" err="1">
-                <a:latin typeface="Abadi" panose="020B0604020104020204" pitchFamily="34" charset="0"/>
-              </a:rPr>
-              <a:t>comments</a:t>
-            </a:r>
-            <a:r>
-              <a:rPr lang="it-IT" sz="2400" dirty="0">
-                <a:latin typeface="Abadi" panose="020B0604020104020204" pitchFamily="34" charset="0"/>
-              </a:rPr>
-              <a:t> </a:t>
-            </a:r>
-            <a:r>
-              <a:rPr lang="it-IT" sz="2400" dirty="0" err="1">
-                <a:latin typeface="Abadi" panose="020B0604020104020204" pitchFamily="34" charset="0"/>
-              </a:rPr>
-              <a:t>labelled</a:t>
-            </a:r>
-            <a:r>
-              <a:rPr lang="it-IT" sz="2400" dirty="0">
-                <a:latin typeface="Abadi" panose="020B0604020104020204" pitchFamily="34" charset="0"/>
-              </a:rPr>
-              <a:t>:</a:t>
-            </a:r>
-          </a:p>
-          <a:p>
-            <a:pPr>
-              <a:lnSpc>
-                <a:spcPct val="150000"/>
-              </a:lnSpc>
-            </a:pPr>
-            <a:r>
-              <a:rPr lang="it-IT" sz="2400" dirty="0">
-                <a:latin typeface="Abadi" panose="020B0604020104020204" pitchFamily="34" charset="0"/>
-              </a:rPr>
-              <a:t> 	- Rating = 1  negative </a:t>
-            </a:r>
-            <a:r>
-              <a:rPr lang="it-IT" sz="2400" dirty="0" err="1">
-                <a:latin typeface="Abadi" panose="020B0604020104020204" pitchFamily="34" charset="0"/>
-              </a:rPr>
-              <a:t>comment</a:t>
-            </a:r>
-            <a:endParaRPr lang="it-IT" sz="2400" dirty="0">
-              <a:latin typeface="Abadi" panose="020B0604020104020204" pitchFamily="34" charset="0"/>
-            </a:endParaRPr>
-          </a:p>
-          <a:p>
-            <a:pPr>
-              <a:lnSpc>
-                <a:spcPct val="150000"/>
-              </a:lnSpc>
-            </a:pPr>
-            <a:r>
-              <a:rPr lang="it-IT" sz="2400" dirty="0">
-                <a:latin typeface="Abadi" panose="020B0604020104020204" pitchFamily="34" charset="0"/>
-              </a:rPr>
-              <a:t>	- Rating = 3  </a:t>
-            </a:r>
-            <a:r>
-              <a:rPr lang="it-IT" sz="2400" dirty="0" err="1">
-                <a:latin typeface="Abadi" panose="020B0604020104020204" pitchFamily="34" charset="0"/>
-              </a:rPr>
-              <a:t>neutral</a:t>
-            </a:r>
-            <a:r>
-              <a:rPr lang="it-IT" sz="2400" dirty="0">
-                <a:latin typeface="Abadi" panose="020B0604020104020204" pitchFamily="34" charset="0"/>
-              </a:rPr>
-              <a:t> </a:t>
-            </a:r>
-            <a:r>
-              <a:rPr lang="it-IT" sz="2400" dirty="0" err="1">
-                <a:latin typeface="Abadi" panose="020B0604020104020204" pitchFamily="34" charset="0"/>
-              </a:rPr>
-              <a:t>comment</a:t>
-            </a:r>
-            <a:endParaRPr lang="it-IT" sz="2400" dirty="0">
-              <a:latin typeface="Abadi" panose="020B0604020104020204" pitchFamily="34" charset="0"/>
-            </a:endParaRPr>
-          </a:p>
-          <a:p>
-            <a:pPr>
-              <a:lnSpc>
-                <a:spcPct val="150000"/>
-              </a:lnSpc>
-            </a:pPr>
-            <a:r>
-              <a:rPr lang="it-IT" sz="2400" dirty="0">
-                <a:latin typeface="Abadi" panose="020B0604020104020204" pitchFamily="34" charset="0"/>
-              </a:rPr>
-              <a:t>	- Rating = 5  positive </a:t>
-            </a:r>
-            <a:r>
-              <a:rPr lang="it-IT" sz="2400" dirty="0" err="1">
-                <a:latin typeface="Abadi" panose="020B0604020104020204" pitchFamily="34" charset="0"/>
-              </a:rPr>
-              <a:t>comment</a:t>
-            </a:r>
-            <a:endParaRPr lang="it-IT" sz="2400" dirty="0">
-              <a:latin typeface="Abadi" panose="020B0604020104020204" pitchFamily="34" charset="0"/>
-            </a:endParaRPr>
+              <a:t>Timeline for training set: 01/01/2008 to 31/12/2008</a:t>
+            </a:r>
           </a:p>
           <a:p>
             <a:pPr marL="457200" indent="-457200">
@@ -9695,41 +9572,113 @@
               <a:buChar char="•"/>
             </a:pPr>
             <a:r>
+              <a:rPr lang="it-IT" sz="2400" dirty="0">
+                <a:latin typeface="Abadi" panose="020B0604020104020204" pitchFamily="34" charset="0"/>
+              </a:rPr>
+              <a:t>4.500 </a:t>
+            </a:r>
+            <a:r>
               <a:rPr lang="it-IT" sz="2400" dirty="0" err="1">
                 <a:latin typeface="Abadi" panose="020B0604020104020204" pitchFamily="34" charset="0"/>
               </a:rPr>
-              <a:t>Balanced</a:t>
+              <a:t>comments</a:t>
             </a:r>
             <a:r>
               <a:rPr lang="it-IT" sz="2400" dirty="0">
                 <a:latin typeface="Abadi" panose="020B0604020104020204" pitchFamily="34" charset="0"/>
               </a:rPr>
-              <a:t> dataset, 1500 </a:t>
+              <a:t> </a:t>
             </a:r>
             <a:r>
               <a:rPr lang="it-IT" sz="2400" dirty="0" err="1">
                 <a:latin typeface="Abadi" panose="020B0604020104020204" pitchFamily="34" charset="0"/>
               </a:rPr>
-              <a:t>instances</a:t>
+              <a:t>labelled</a:t>
             </a:r>
             <a:r>
               <a:rPr lang="it-IT" sz="2400" dirty="0">
                 <a:latin typeface="Abadi" panose="020B0604020104020204" pitchFamily="34" charset="0"/>
               </a:rPr>
-              <a:t> for </a:t>
+              <a:t>:</a:t>
+            </a:r>
+          </a:p>
+          <a:p>
+            <a:pPr>
+              <a:lnSpc>
+                <a:spcPct val="150000"/>
+              </a:lnSpc>
+            </a:pPr>
+            <a:r>
+              <a:rPr lang="it-IT" sz="2400" dirty="0">
+                <a:latin typeface="Abadi" panose="020B0604020104020204" pitchFamily="34" charset="0"/>
+              </a:rPr>
+              <a:t> 	- Rating = 1  negative </a:t>
             </a:r>
             <a:r>
               <a:rPr lang="it-IT" sz="2400" dirty="0" err="1">
                 <a:latin typeface="Abadi" panose="020B0604020104020204" pitchFamily="34" charset="0"/>
               </a:rPr>
-              <a:t>each</a:t>
-            </a:r>
+              <a:t>comment</a:t>
+            </a:r>
+            <a:endParaRPr lang="it-IT" sz="2400" dirty="0">
+              <a:latin typeface="Abadi" panose="020B0604020104020204" pitchFamily="34" charset="0"/>
+            </a:endParaRPr>
+          </a:p>
+          <a:p>
+            <a:pPr>
+              <a:lnSpc>
+                <a:spcPct val="150000"/>
+              </a:lnSpc>
+            </a:pPr>
             <a:r>
               <a:rPr lang="it-IT" sz="2400" dirty="0">
                 <a:latin typeface="Abadi" panose="020B0604020104020204" pitchFamily="34" charset="0"/>
               </a:rPr>
-              <a:t> class</a:t>
-            </a:r>
+              <a:t>	- Rating = 3  </a:t>
+            </a:r>
+            <a:r>
+              <a:rPr lang="it-IT" sz="2400" dirty="0" err="1">
+                <a:latin typeface="Abadi" panose="020B0604020104020204" pitchFamily="34" charset="0"/>
+              </a:rPr>
+              <a:t>neutral</a:t>
+            </a:r>
+            <a:r>
+              <a:rPr lang="it-IT" sz="2400" dirty="0">
+                <a:latin typeface="Abadi" panose="020B0604020104020204" pitchFamily="34" charset="0"/>
+              </a:rPr>
+              <a:t> </a:t>
+            </a:r>
+            <a:r>
+              <a:rPr lang="it-IT" sz="2400" dirty="0" err="1">
+                <a:latin typeface="Abadi" panose="020B0604020104020204" pitchFamily="34" charset="0"/>
+              </a:rPr>
+              <a:t>comment</a:t>
+            </a:r>
+            <a:endParaRPr lang="it-IT" sz="2400" dirty="0">
+              <a:latin typeface="Abadi" panose="020B0604020104020204" pitchFamily="34" charset="0"/>
+            </a:endParaRPr>
+          </a:p>
+          <a:p>
+            <a:pPr>
+              <a:lnSpc>
+                <a:spcPct val="150000"/>
+              </a:lnSpc>
+            </a:pPr>
+            <a:r>
+              <a:rPr lang="it-IT" sz="2400" dirty="0">
+                <a:latin typeface="Abadi" panose="020B0604020104020204" pitchFamily="34" charset="0"/>
+              </a:rPr>
+              <a:t>	- Rating = 5  positive </a:t>
+            </a:r>
+            <a:r>
+              <a:rPr lang="it-IT" sz="2400" dirty="0" err="1">
+                <a:latin typeface="Abadi" panose="020B0604020104020204" pitchFamily="34" charset="0"/>
+              </a:rPr>
+              <a:t>comment</a:t>
+            </a:r>
+            <a:endParaRPr lang="it-IT" sz="2400" dirty="0">
+              <a:latin typeface="Abadi" panose="020B0604020104020204" pitchFamily="34" charset="0"/>
+            </a:endParaRPr>
           </a:p>
           <a:p>
             <a:pPr marL="457200" indent="-457200">
@@ -9740,14 +9689,41 @@
               <a:buChar char="•"/>
             </a:pPr>
             <a:r>
+              <a:rPr lang="it-IT" sz="2400" dirty="0" err="1">
+                <a:latin typeface="Abadi" panose="020B0604020104020204" pitchFamily="34" charset="0"/>
+              </a:rPr>
+              <a:t>Balanced</a:t>
+            </a:r>
+            <a:r>
               <a:rPr lang="it-IT" sz="2400" dirty="0">
                 <a:latin typeface="Abadi" panose="020B0604020104020204" pitchFamily="34" charset="0"/>
               </a:rPr>
-              <a:t>Timeline for training set: 01/01/2008 to 31/12/2008</a:t>
-            </a:r>
-            <a:endParaRPr lang="en-GB" sz="2400" dirty="0">
-              <a:latin typeface="Abadi" panose="020B0604020104020204" pitchFamily="34" charset="0"/>
-            </a:endParaRPr>
+              <a:t> training set, 1500 </a:t>
+            </a:r>
+            <a:r>
+              <a:rPr lang="it-IT" sz="2400" dirty="0" err="1">
+                <a:latin typeface="Abadi" panose="020B0604020104020204" pitchFamily="34" charset="0"/>
+              </a:rPr>
+              <a:t>instances</a:t>
+            </a:r>
+            <a:r>
+              <a:rPr lang="it-IT" sz="2400" dirty="0">
+                <a:latin typeface="Abadi" panose="020B0604020104020204" pitchFamily="34" charset="0"/>
+              </a:rPr>
+              <a:t> for </a:t>
+            </a:r>
+            <a:r>
+              <a:rPr lang="it-IT" sz="2400" dirty="0" err="1">
+                <a:latin typeface="Abadi" panose="020B0604020104020204" pitchFamily="34" charset="0"/>
+              </a:rPr>
+              <a:t>each</a:t>
+            </a:r>
+            <a:r>
+              <a:rPr lang="it-IT" sz="2400" dirty="0">
+                <a:latin typeface="Abadi" panose="020B0604020104020204" pitchFamily="34" charset="0"/>
+              </a:rPr>
+              <a:t> class</a:t>
+            </a:r>
           </a:p>
         </p:txBody>
       </p:sp>
@@ -9808,7 +9784,7 @@
         </p:nvCxnSpPr>
         <p:spPr>
           <a:xfrm>
-            <a:off x="2732809" y="2628900"/>
+            <a:off x="2732809" y="4308410"/>
             <a:ext cx="135082" cy="0"/>
           </a:xfrm>
           <a:prstGeom prst="straightConnector1">
@@ -9849,7 +9825,7 @@
         </p:nvCxnSpPr>
         <p:spPr>
           <a:xfrm>
-            <a:off x="2732809" y="3200400"/>
+            <a:off x="2732809" y="4879910"/>
             <a:ext cx="135082" cy="0"/>
           </a:xfrm>
           <a:prstGeom prst="straightConnector1">
@@ -9959,7 +9935,7 @@
         </p:nvSpPr>
         <p:spPr>
           <a:xfrm>
-            <a:off x="0" y="446809"/>
+            <a:off x="74645" y="83749"/>
             <a:ext cx="12192000" cy="923330"/>
           </a:xfrm>
           <a:prstGeom prst="rect">
@@ -9990,7 +9966,7 @@
                 </a:solidFill>
                 <a:latin typeface="Elephant Pro" panose="020B0604020202020204" pitchFamily="2" charset="0"/>
               </a:rPr>
-              <a:t>preprocessing</a:t>
+              <a:t>Elaboration</a:t>
             </a:r>
             <a:endParaRPr lang="en-GB" sz="5400" dirty="0">
               <a:solidFill>
@@ -10409,6 +10385,445 @@
           <a:p>
             <a:pPr algn="ctr"/>
             <a:endParaRPr lang="en-GB"/>
+          </a:p>
+        </p:txBody>
+      </p:sp>
+      <p:sp>
+        <p:nvSpPr>
+          <p:cNvPr id="10" name="TextBox 9">
+            <a:extLst>
+              <a:ext uri="{FF2B5EF4-FFF2-40B4-BE49-F238E27FC236}">
+                <a16:creationId xmlns:a16="http://schemas.microsoft.com/office/drawing/2014/main" id="{4A9B4021-3C57-4DA7-8B7A-33303026564B}"/>
+              </a:ext>
+            </a:extLst>
+          </p:cNvPr>
+          <p:cNvSpPr txBox="1"/>
+          <p:nvPr/>
+        </p:nvSpPr>
+        <p:spPr>
+          <a:xfrm>
+            <a:off x="161527" y="1252520"/>
+            <a:ext cx="4758034" cy="369332"/>
+          </a:xfrm>
+          <a:prstGeom prst="rect">
+            <a:avLst/>
+          </a:prstGeom>
+          <a:noFill/>
+        </p:spPr>
+        <p:txBody>
+          <a:bodyPr wrap="none" rtlCol="0">
+            <a:spAutoFit/>
+          </a:bodyPr>
+          <a:lstStyle/>
+          <a:p>
+            <a:r>
+              <a:rPr lang="en-GB" dirty="0">
+                <a:latin typeface="Abadi" panose="020B0604020104020204" pitchFamily="34" charset="0"/>
+              </a:rPr>
+              <a:t>“This taste great!!!!!! Even my 3yr. old loved it”</a:t>
+            </a:r>
+          </a:p>
+        </p:txBody>
+      </p:sp>
+      <p:sp>
+        <p:nvSpPr>
+          <p:cNvPr id="11" name="TextBox 10">
+            <a:extLst>
+              <a:ext uri="{FF2B5EF4-FFF2-40B4-BE49-F238E27FC236}">
+                <a16:creationId xmlns:a16="http://schemas.microsoft.com/office/drawing/2014/main" id="{98D39999-D92F-49DD-BF58-7F3111B8392D}"/>
+              </a:ext>
+            </a:extLst>
+          </p:cNvPr>
+          <p:cNvSpPr txBox="1"/>
+          <p:nvPr/>
+        </p:nvSpPr>
+        <p:spPr>
+          <a:xfrm>
+            <a:off x="3199272" y="1973048"/>
+            <a:ext cx="6000361" cy="369332"/>
+          </a:xfrm>
+          <a:prstGeom prst="rect">
+            <a:avLst/>
+          </a:prstGeom>
+          <a:noFill/>
+        </p:spPr>
+        <p:txBody>
+          <a:bodyPr wrap="none" rtlCol="0">
+            <a:spAutoFit/>
+          </a:bodyPr>
+          <a:lstStyle/>
+          <a:p>
+            <a:r>
+              <a:rPr lang="it-IT" dirty="0">
+                <a:latin typeface="Abadi" panose="020B0604020104020204" pitchFamily="34" charset="0"/>
+              </a:rPr>
+              <a:t>&lt;</a:t>
+            </a:r>
+            <a:r>
+              <a:rPr lang="it-IT" dirty="0" err="1">
+                <a:latin typeface="Abadi" panose="020B0604020104020204" pitchFamily="34" charset="0"/>
+              </a:rPr>
+              <a:t>this</a:t>
+            </a:r>
+            <a:r>
+              <a:rPr lang="it-IT" dirty="0">
+                <a:latin typeface="Abadi" panose="020B0604020104020204" pitchFamily="34" charset="0"/>
+              </a:rPr>
+              <a:t>&gt;&lt;taste&gt; &lt;</a:t>
+            </a:r>
+            <a:r>
+              <a:rPr lang="it-IT" dirty="0" err="1">
+                <a:latin typeface="Abadi" panose="020B0604020104020204" pitchFamily="34" charset="0"/>
+              </a:rPr>
+              <a:t>great</a:t>
+            </a:r>
+            <a:r>
+              <a:rPr lang="it-IT" dirty="0">
+                <a:latin typeface="Abadi" panose="020B0604020104020204" pitchFamily="34" charset="0"/>
+              </a:rPr>
+              <a:t>&gt; &lt;</a:t>
+            </a:r>
+            <a:r>
+              <a:rPr lang="it-IT" dirty="0" err="1">
+                <a:latin typeface="Abadi" panose="020B0604020104020204" pitchFamily="34" charset="0"/>
+              </a:rPr>
+              <a:t>even</a:t>
+            </a:r>
+            <a:r>
+              <a:rPr lang="it-IT" dirty="0">
+                <a:latin typeface="Abadi" panose="020B0604020104020204" pitchFamily="34" charset="0"/>
+              </a:rPr>
+              <a:t>&gt;&lt;</a:t>
+            </a:r>
+            <a:r>
+              <a:rPr lang="it-IT" dirty="0" err="1">
+                <a:latin typeface="Abadi" panose="020B0604020104020204" pitchFamily="34" charset="0"/>
+              </a:rPr>
+              <a:t>my</a:t>
+            </a:r>
+            <a:r>
+              <a:rPr lang="it-IT" dirty="0">
+                <a:latin typeface="Abadi" panose="020B0604020104020204" pitchFamily="34" charset="0"/>
+              </a:rPr>
+              <a:t>&gt;&lt;</a:t>
+            </a:r>
+            <a:r>
+              <a:rPr lang="it-IT" dirty="0" err="1">
+                <a:latin typeface="Abadi" panose="020B0604020104020204" pitchFamily="34" charset="0"/>
+              </a:rPr>
+              <a:t>old</a:t>
+            </a:r>
+            <a:r>
+              <a:rPr lang="it-IT" dirty="0">
+                <a:latin typeface="Abadi" panose="020B0604020104020204" pitchFamily="34" charset="0"/>
+              </a:rPr>
+              <a:t>&gt;&lt;</a:t>
+            </a:r>
+            <a:r>
+              <a:rPr lang="it-IT" dirty="0" err="1">
+                <a:latin typeface="Abadi" panose="020B0604020104020204" pitchFamily="34" charset="0"/>
+              </a:rPr>
+              <a:t>loved</a:t>
+            </a:r>
+            <a:r>
+              <a:rPr lang="it-IT" dirty="0">
+                <a:latin typeface="Abadi" panose="020B0604020104020204" pitchFamily="34" charset="0"/>
+              </a:rPr>
+              <a:t>&gt;&lt;</a:t>
+            </a:r>
+            <a:r>
+              <a:rPr lang="it-IT" dirty="0" err="1">
+                <a:latin typeface="Abadi" panose="020B0604020104020204" pitchFamily="34" charset="0"/>
+              </a:rPr>
+              <a:t>it</a:t>
+            </a:r>
+            <a:r>
+              <a:rPr lang="it-IT" dirty="0">
+                <a:latin typeface="Abadi" panose="020B0604020104020204" pitchFamily="34" charset="0"/>
+              </a:rPr>
+              <a:t>&gt;</a:t>
+            </a:r>
+            <a:endParaRPr lang="en-GB" dirty="0">
+              <a:latin typeface="Abadi" panose="020B0604020104020204" pitchFamily="34" charset="0"/>
+            </a:endParaRPr>
+          </a:p>
+        </p:txBody>
+      </p:sp>
+      <p:sp>
+        <p:nvSpPr>
+          <p:cNvPr id="15" name="TextBox 14">
+            <a:extLst>
+              <a:ext uri="{FF2B5EF4-FFF2-40B4-BE49-F238E27FC236}">
+                <a16:creationId xmlns:a16="http://schemas.microsoft.com/office/drawing/2014/main" id="{080B259B-ECC9-4E19-803C-9F80C24FBFE1}"/>
+              </a:ext>
+            </a:extLst>
+          </p:cNvPr>
+          <p:cNvSpPr txBox="1"/>
+          <p:nvPr/>
+        </p:nvSpPr>
+        <p:spPr>
+          <a:xfrm>
+            <a:off x="9880300" y="1967934"/>
+            <a:ext cx="1047082" cy="369332"/>
+          </a:xfrm>
+          <a:prstGeom prst="rect">
+            <a:avLst/>
+          </a:prstGeom>
+          <a:noFill/>
+        </p:spPr>
+        <p:txBody>
+          <a:bodyPr wrap="none" rtlCol="0">
+            <a:spAutoFit/>
+          </a:bodyPr>
+          <a:lstStyle/>
+          <a:p>
+            <a:r>
+              <a:rPr lang="it-IT" dirty="0">
+                <a:latin typeface="Abadi" panose="020B0604020104020204" pitchFamily="34" charset="0"/>
+              </a:rPr>
+              <a:t>8 tokens</a:t>
+            </a:r>
+            <a:endParaRPr lang="en-GB" dirty="0">
+              <a:latin typeface="Abadi" panose="020B0604020104020204" pitchFamily="34" charset="0"/>
+            </a:endParaRPr>
+          </a:p>
+        </p:txBody>
+      </p:sp>
+      <p:sp>
+        <p:nvSpPr>
+          <p:cNvPr id="16" name="TextBox 15">
+            <a:extLst>
+              <a:ext uri="{FF2B5EF4-FFF2-40B4-BE49-F238E27FC236}">
+                <a16:creationId xmlns:a16="http://schemas.microsoft.com/office/drawing/2014/main" id="{EABAD505-3CF8-4510-9823-C4B2993D4C47}"/>
+              </a:ext>
+            </a:extLst>
+          </p:cNvPr>
+          <p:cNvSpPr txBox="1"/>
+          <p:nvPr/>
+        </p:nvSpPr>
+        <p:spPr>
+          <a:xfrm>
+            <a:off x="5626346" y="3158916"/>
+            <a:ext cx="2640466" cy="369332"/>
+          </a:xfrm>
+          <a:prstGeom prst="rect">
+            <a:avLst/>
+          </a:prstGeom>
+          <a:noFill/>
+        </p:spPr>
+        <p:txBody>
+          <a:bodyPr wrap="none" rtlCol="0">
+            <a:spAutoFit/>
+          </a:bodyPr>
+          <a:lstStyle/>
+          <a:p>
+            <a:r>
+              <a:rPr lang="it-IT" dirty="0">
+                <a:latin typeface="Abadi" panose="020B0604020104020204" pitchFamily="34" charset="0"/>
+              </a:rPr>
+              <a:t>&lt;taste&gt;&lt;</a:t>
+            </a:r>
+            <a:r>
+              <a:rPr lang="it-IT" dirty="0" err="1">
+                <a:latin typeface="Abadi" panose="020B0604020104020204" pitchFamily="34" charset="0"/>
+              </a:rPr>
+              <a:t>great</a:t>
+            </a:r>
+            <a:r>
+              <a:rPr lang="it-IT" dirty="0">
+                <a:latin typeface="Abadi" panose="020B0604020104020204" pitchFamily="34" charset="0"/>
+              </a:rPr>
+              <a:t>&gt;&lt;</a:t>
+            </a:r>
+            <a:r>
+              <a:rPr lang="it-IT" dirty="0" err="1">
+                <a:latin typeface="Abadi" panose="020B0604020104020204" pitchFamily="34" charset="0"/>
+              </a:rPr>
+              <a:t>loved</a:t>
+            </a:r>
+            <a:r>
+              <a:rPr lang="it-IT" dirty="0">
+                <a:latin typeface="Abadi" panose="020B0604020104020204" pitchFamily="34" charset="0"/>
+              </a:rPr>
+              <a:t>&gt;</a:t>
+            </a:r>
+            <a:endParaRPr lang="en-GB" dirty="0">
+              <a:latin typeface="Abadi" panose="020B0604020104020204" pitchFamily="34" charset="0"/>
+            </a:endParaRPr>
+          </a:p>
+        </p:txBody>
+      </p:sp>
+      <p:sp>
+        <p:nvSpPr>
+          <p:cNvPr id="17" name="TextBox 16">
+            <a:extLst>
+              <a:ext uri="{FF2B5EF4-FFF2-40B4-BE49-F238E27FC236}">
+                <a16:creationId xmlns:a16="http://schemas.microsoft.com/office/drawing/2014/main" id="{CAB42C8C-B4B7-47F1-AF5E-2BF0738744AF}"/>
+              </a:ext>
+            </a:extLst>
+          </p:cNvPr>
+          <p:cNvSpPr txBox="1"/>
+          <p:nvPr/>
+        </p:nvSpPr>
+        <p:spPr>
+          <a:xfrm>
+            <a:off x="9133791" y="3158916"/>
+            <a:ext cx="1903085" cy="369332"/>
+          </a:xfrm>
+          <a:prstGeom prst="rect">
+            <a:avLst/>
+          </a:prstGeom>
+          <a:noFill/>
+        </p:spPr>
+        <p:txBody>
+          <a:bodyPr wrap="none" rtlCol="0">
+            <a:spAutoFit/>
+          </a:bodyPr>
+          <a:lstStyle/>
+          <a:p>
+            <a:r>
+              <a:rPr lang="it-IT" dirty="0">
+                <a:latin typeface="Abadi" panose="020B0604020104020204" pitchFamily="34" charset="0"/>
+              </a:rPr>
+              <a:t>3 </a:t>
+            </a:r>
+            <a:r>
+              <a:rPr lang="it-IT" dirty="0" err="1">
+                <a:latin typeface="Abadi" panose="020B0604020104020204" pitchFamily="34" charset="0"/>
+              </a:rPr>
+              <a:t>relevant</a:t>
+            </a:r>
+            <a:r>
+              <a:rPr lang="it-IT" dirty="0">
+                <a:latin typeface="Abadi" panose="020B0604020104020204" pitchFamily="34" charset="0"/>
+              </a:rPr>
+              <a:t> tokens</a:t>
+            </a:r>
+            <a:endParaRPr lang="en-GB" dirty="0">
+              <a:latin typeface="Abadi" panose="020B0604020104020204" pitchFamily="34" charset="0"/>
+            </a:endParaRPr>
+          </a:p>
+        </p:txBody>
+      </p:sp>
+      <p:sp>
+        <p:nvSpPr>
+          <p:cNvPr id="18" name="TextBox 17">
+            <a:extLst>
+              <a:ext uri="{FF2B5EF4-FFF2-40B4-BE49-F238E27FC236}">
+                <a16:creationId xmlns:a16="http://schemas.microsoft.com/office/drawing/2014/main" id="{D48445A8-0097-41FA-9337-BF26A963F992}"/>
+              </a:ext>
+            </a:extLst>
+          </p:cNvPr>
+          <p:cNvSpPr txBox="1"/>
+          <p:nvPr/>
+        </p:nvSpPr>
+        <p:spPr>
+          <a:xfrm flipH="1">
+            <a:off x="8307756" y="4239422"/>
+            <a:ext cx="2434824" cy="369332"/>
+          </a:xfrm>
+          <a:prstGeom prst="rect">
+            <a:avLst/>
+          </a:prstGeom>
+          <a:noFill/>
+        </p:spPr>
+        <p:txBody>
+          <a:bodyPr wrap="square" rtlCol="0">
+            <a:spAutoFit/>
+          </a:bodyPr>
+          <a:lstStyle/>
+          <a:p>
+            <a:r>
+              <a:rPr lang="it-IT" dirty="0">
+                <a:latin typeface="Abadi" panose="020B0604020104020204" pitchFamily="34" charset="0"/>
+              </a:rPr>
+              <a:t>&lt;</a:t>
+            </a:r>
+            <a:r>
+              <a:rPr lang="it-IT" dirty="0" err="1">
+                <a:latin typeface="Abadi" panose="020B0604020104020204" pitchFamily="34" charset="0"/>
+              </a:rPr>
+              <a:t>tast</a:t>
+            </a:r>
+            <a:r>
+              <a:rPr lang="it-IT" dirty="0">
+                <a:latin typeface="Abadi" panose="020B0604020104020204" pitchFamily="34" charset="0"/>
+              </a:rPr>
+              <a:t>&gt;&lt;</a:t>
+            </a:r>
+            <a:r>
+              <a:rPr lang="it-IT" dirty="0" err="1">
+                <a:latin typeface="Abadi" panose="020B0604020104020204" pitchFamily="34" charset="0"/>
+              </a:rPr>
+              <a:t>great</a:t>
+            </a:r>
+            <a:r>
+              <a:rPr lang="it-IT" dirty="0">
+                <a:latin typeface="Abadi" panose="020B0604020104020204" pitchFamily="34" charset="0"/>
+              </a:rPr>
+              <a:t>&gt;&lt;</a:t>
+            </a:r>
+            <a:r>
+              <a:rPr lang="it-IT" dirty="0" err="1">
+                <a:latin typeface="Abadi" panose="020B0604020104020204" pitchFamily="34" charset="0"/>
+              </a:rPr>
+              <a:t>lov</a:t>
+            </a:r>
+            <a:r>
+              <a:rPr lang="it-IT" dirty="0">
+                <a:latin typeface="Abadi" panose="020B0604020104020204" pitchFamily="34" charset="0"/>
+              </a:rPr>
+              <a:t>&gt;</a:t>
+            </a:r>
+            <a:endParaRPr lang="en-GB" dirty="0">
+              <a:latin typeface="Abadi" panose="020B0604020104020204" pitchFamily="34" charset="0"/>
+            </a:endParaRPr>
+          </a:p>
+        </p:txBody>
+      </p:sp>
+      <p:sp>
+        <p:nvSpPr>
+          <p:cNvPr id="19" name="TextBox 18">
+            <a:extLst>
+              <a:ext uri="{FF2B5EF4-FFF2-40B4-BE49-F238E27FC236}">
+                <a16:creationId xmlns:a16="http://schemas.microsoft.com/office/drawing/2014/main" id="{8C104128-7861-4F8C-9DDD-C1BB08B61D86}"/>
+              </a:ext>
+            </a:extLst>
+          </p:cNvPr>
+          <p:cNvSpPr txBox="1"/>
+          <p:nvPr/>
+        </p:nvSpPr>
+        <p:spPr>
+          <a:xfrm>
+            <a:off x="10750101" y="4244566"/>
+            <a:ext cx="1492898" cy="369332"/>
+          </a:xfrm>
+          <a:prstGeom prst="rect">
+            <a:avLst/>
+          </a:prstGeom>
+          <a:noFill/>
+        </p:spPr>
+        <p:txBody>
+          <a:bodyPr wrap="square" rtlCol="0">
+            <a:spAutoFit/>
+          </a:bodyPr>
+          <a:lstStyle/>
+          <a:p>
+            <a:r>
+              <a:rPr lang="it-IT" dirty="0">
+                <a:latin typeface="Abadi" panose="020B0604020104020204" pitchFamily="34" charset="0"/>
+              </a:rPr>
+              <a:t>3 </a:t>
+            </a:r>
+            <a:r>
+              <a:rPr lang="it-IT" dirty="0" err="1">
+                <a:latin typeface="Abadi" panose="020B0604020104020204" pitchFamily="34" charset="0"/>
+              </a:rPr>
+              <a:t>stems</a:t>
+            </a:r>
+            <a:endParaRPr lang="en-GB" dirty="0">
+              <a:latin typeface="Abadi" panose="020B0604020104020204" pitchFamily="34" charset="0"/>
+            </a:endParaRPr>
           </a:p>
         </p:txBody>
       </p:sp>
@@ -14662,7 +15077,7 @@
               <a:rPr lang="en-GB" sz="3200" dirty="0">
                 <a:latin typeface="Abadi" panose="020B0604020104020204" pitchFamily="34" charset="0"/>
               </a:rPr>
-              <a:t>These reviews contains users’ opinion and emotion about recipes.</a:t>
+              <a:t>These reviews contain users’ opinion and emotion about recipes.</a:t>
             </a:r>
           </a:p>
           <a:p>
@@ -14820,7 +15235,7 @@
         <p:spPr>
           <a:xfrm>
             <a:off x="900825" y="2087464"/>
-            <a:ext cx="10871611" cy="3508653"/>
+            <a:ext cx="10871611" cy="3323987"/>
           </a:xfrm>
           <a:prstGeom prst="rect">
             <a:avLst/>
@@ -15009,16 +15424,38 @@
               <a:rPr lang="en-GB" sz="3200" dirty="0">
                 <a:latin typeface="Abadi" panose="020B0604020104020204" pitchFamily="34" charset="0"/>
               </a:rPr>
-              <a:t>Automatically classify comments by sentiment</a:t>
+              <a:t>Automatically classify comments by the polarity of the sentiment</a:t>
             </a:r>
             <a:r>
               <a:rPr lang="it-IT" sz="3200" dirty="0">
                 <a:latin typeface="Abadi" panose="020B0604020104020204" pitchFamily="34" charset="0"/>
               </a:rPr>
-              <a:t> (Sentiment Analysis)</a:t>
-            </a:r>
-          </a:p>
-          <a:p>
+              <a:t> </a:t>
+            </a:r>
+            <a:r>
+              <a:rPr lang="it-IT" sz="3200" dirty="0" err="1">
+                <a:latin typeface="Abadi" panose="020B0604020104020204" pitchFamily="34" charset="0"/>
+              </a:rPr>
+              <a:t>as</a:t>
+            </a:r>
+            <a:r>
+              <a:rPr lang="it-IT" sz="3200" dirty="0">
+                <a:latin typeface="Abadi" panose="020B0604020104020204" pitchFamily="34" charset="0"/>
+              </a:rPr>
+              <a:t> positive, negative or </a:t>
+            </a:r>
+            <a:r>
+              <a:rPr lang="it-IT" sz="3200" dirty="0" err="1">
+                <a:latin typeface="Abadi" panose="020B0604020104020204" pitchFamily="34" charset="0"/>
+              </a:rPr>
+              <a:t>neutral</a:t>
+            </a:r>
+            <a:r>
+              <a:rPr lang="it-IT" sz="3200" dirty="0">
+                <a:latin typeface="Abadi" panose="020B0604020104020204" pitchFamily="34" charset="0"/>
+              </a:rPr>
+              <a:t> (Sentiment Analysis) .</a:t>
+            </a:r>
             <a:endParaRPr lang="it-IT" sz="4400" dirty="0">
               <a:latin typeface="Abadi" panose="020B0604020104020204" pitchFamily="34" charset="0"/>
             </a:endParaRPr>
@@ -15208,10 +15645,10 @@
       </p:sp>
       <p:pic>
         <p:nvPicPr>
-          <p:cNvPr id="5" name="table">
-            <a:extLst>
-              <a:ext uri="{FF2B5EF4-FFF2-40B4-BE49-F238E27FC236}">
-                <a16:creationId xmlns:a16="http://schemas.microsoft.com/office/drawing/2014/main" id="{FD7F89E5-BA1F-40C4-AC40-F298C638F45E}"/>
+          <p:cNvPr id="6" name="Picture 5">
+            <a:extLst>
+              <a:ext uri="{FF2B5EF4-FFF2-40B4-BE49-F238E27FC236}">
+                <a16:creationId xmlns:a16="http://schemas.microsoft.com/office/drawing/2014/main" id="{1DB51940-D470-45DE-88CC-AA651DE7EEAA}"/>
               </a:ext>
             </a:extLst>
           </p:cNvPr>
@@ -15228,8 +15665,8 @@
         </p:blipFill>
         <p:spPr>
           <a:xfrm>
-            <a:off x="1903663" y="2228672"/>
-            <a:ext cx="8128000" cy="4457342"/>
+            <a:off x="1868057" y="2149207"/>
+            <a:ext cx="8455885" cy="4444369"/>
           </a:xfrm>
           <a:prstGeom prst="rect">
             <a:avLst/>
@@ -15858,7 +16295,7 @@
             </a:r>
           </a:p>
           <a:p>
-            <a:pPr marL="457200" indent="-457200">
+            <a:pPr marL="285750" indent="-285750">
               <a:lnSpc>
                 <a:spcPct val="150000"/>
               </a:lnSpc>
@@ -15869,7 +16306,7 @@
               <a:rPr lang="en-GB" sz="3200" dirty="0">
                 <a:latin typeface="Abadi" panose="020B0604020104020204" pitchFamily="34" charset="0"/>
               </a:rPr>
-              <a:t>Remove from comments: </a:t>
+              <a:t>Removed from comments: </a:t>
             </a:r>
           </a:p>
           <a:p>
@@ -15882,17 +16319,8 @@
               <a:rPr lang="en-GB" sz="3200" dirty="0">
                 <a:latin typeface="Abadi" panose="020B0604020104020204" pitchFamily="34" charset="0"/>
               </a:rPr>
-              <a:t>     - characters which represent the end of the </a:t>
-            </a:r>
-            <a:r>
-              <a:rPr lang="en-GB" sz="3200">
-                <a:latin typeface="Abadi" panose="020B0604020104020204" pitchFamily="34" charset="0"/>
-              </a:rPr>
-              <a:t>line </a:t>
-            </a:r>
-            <a:endParaRPr lang="en-GB" sz="3200" dirty="0">
-              <a:latin typeface="Abadi" panose="020B0604020104020204" pitchFamily="34" charset="0"/>
-            </a:endParaRPr>
+              <a:t>     - characters which represent the end of the line </a:t>
+            </a:r>
           </a:p>
           <a:p>
             <a:pPr>
